--- a/misc/about_inf_s.pptx
+++ b/misc/about_inf_s.pptx
@@ -5,7 +5,7 @@
     <p:sldMasterId id="2147483660" r:id="rId1"/>
   </p:sldMasterIdLst>
   <p:notesMasterIdLst>
-    <p:notesMasterId r:id="rId10"/>
+    <p:notesMasterId r:id="rId11"/>
   </p:notesMasterIdLst>
   <p:sldIdLst>
     <p:sldId id="257" r:id="rId2"/>
@@ -16,6 +16,7 @@
     <p:sldId id="262" r:id="rId7"/>
     <p:sldId id="263" r:id="rId8"/>
     <p:sldId id="264" r:id="rId9"/>
+    <p:sldId id="265" r:id="rId10"/>
   </p:sldIdLst>
   <p:sldSz cx="6858000" cy="9906000" type="A4"/>
   <p:notesSz cx="6858000" cy="9144000"/>
@@ -204,7 +205,7 @@
           <a:p>
             <a:fld id="{06C1FF4C-1C66-4C96-98B2-D18CA6587646}" type="datetimeFigureOut">
               <a:rPr kumimoji="1" lang="ja-JP" altLang="en-US" smtClean="0"/>
-              <a:t>2018/10/24</a:t>
+              <a:t>2018/11/22</a:t>
             </a:fld>
             <a:endParaRPr kumimoji="1" lang="ja-JP" altLang="en-US"/>
           </a:p>
@@ -635,7 +636,7 @@
           <a:p>
             <a:fld id="{038EB7AA-89EC-46A1-BD25-F4EEA95F8DD3}" type="datetime1">
               <a:rPr kumimoji="1" lang="ja-JP" altLang="en-US" smtClean="0"/>
-              <a:t>2018/10/24</a:t>
+              <a:t>2018/11/22</a:t>
             </a:fld>
             <a:endParaRPr kumimoji="1" lang="ja-JP" altLang="en-US"/>
           </a:p>
@@ -837,7 +838,7 @@
           <a:p>
             <a:fld id="{479A3839-24FF-4665-9CBD-436E4F85B30A}" type="datetime1">
               <a:rPr kumimoji="1" lang="ja-JP" altLang="en-US" smtClean="0"/>
-              <a:t>2018/10/24</a:t>
+              <a:t>2018/11/22</a:t>
             </a:fld>
             <a:endParaRPr kumimoji="1" lang="ja-JP" altLang="en-US"/>
           </a:p>
@@ -1049,7 +1050,7 @@
           <a:p>
             <a:fld id="{677E0FC8-DEC6-4C3E-99C4-AB51EB6B9040}" type="datetime1">
               <a:rPr kumimoji="1" lang="ja-JP" altLang="en-US" smtClean="0"/>
-              <a:t>2018/10/24</a:t>
+              <a:t>2018/11/22</a:t>
             </a:fld>
             <a:endParaRPr kumimoji="1" lang="ja-JP" altLang="en-US"/>
           </a:p>
@@ -1251,7 +1252,7 @@
           <a:p>
             <a:fld id="{3ED38332-914E-4CA1-85B3-2CFB6E6ACDB7}" type="datetime1">
               <a:rPr kumimoji="1" lang="ja-JP" altLang="en-US" smtClean="0"/>
-              <a:t>2018/10/24</a:t>
+              <a:t>2018/11/22</a:t>
             </a:fld>
             <a:endParaRPr kumimoji="1" lang="ja-JP" altLang="en-US"/>
           </a:p>
@@ -1495,7 +1496,7 @@
           <a:p>
             <a:fld id="{DA9010A1-660E-4429-BADA-407D31413FE6}" type="datetime1">
               <a:rPr kumimoji="1" lang="ja-JP" altLang="en-US" smtClean="0"/>
-              <a:t>2018/10/24</a:t>
+              <a:t>2018/11/22</a:t>
             </a:fld>
             <a:endParaRPr kumimoji="1" lang="ja-JP" altLang="en-US"/>
           </a:p>
@@ -1791,7 +1792,7 @@
           <a:p>
             <a:fld id="{18AF2C0F-53E5-44D0-93FC-0C8E50049675}" type="datetime1">
               <a:rPr kumimoji="1" lang="ja-JP" altLang="en-US" smtClean="0"/>
-              <a:t>2018/10/24</a:t>
+              <a:t>2018/11/22</a:t>
             </a:fld>
             <a:endParaRPr kumimoji="1" lang="ja-JP" altLang="en-US"/>
           </a:p>
@@ -2222,7 +2223,7 @@
           <a:p>
             <a:fld id="{B653C92A-1667-4FD0-84B0-09FF69D29261}" type="datetime1">
               <a:rPr kumimoji="1" lang="ja-JP" altLang="en-US" smtClean="0"/>
-              <a:t>2018/10/24</a:t>
+              <a:t>2018/11/22</a:t>
             </a:fld>
             <a:endParaRPr kumimoji="1" lang="ja-JP" altLang="en-US"/>
           </a:p>
@@ -2340,7 +2341,7 @@
           <a:p>
             <a:fld id="{5F5975D5-6F0E-4F8A-81DA-3A31D5E6373A}" type="datetime1">
               <a:rPr kumimoji="1" lang="ja-JP" altLang="en-US" smtClean="0"/>
-              <a:t>2018/10/24</a:t>
+              <a:t>2018/11/22</a:t>
             </a:fld>
             <a:endParaRPr kumimoji="1" lang="ja-JP" altLang="en-US"/>
           </a:p>
@@ -2435,7 +2436,7 @@
           <a:p>
             <a:fld id="{F148788A-A7CC-442E-930A-A5CF7537A8A5}" type="datetime1">
               <a:rPr kumimoji="1" lang="ja-JP" altLang="en-US" smtClean="0"/>
-              <a:t>2018/10/24</a:t>
+              <a:t>2018/11/22</a:t>
             </a:fld>
             <a:endParaRPr kumimoji="1" lang="ja-JP" altLang="en-US"/>
           </a:p>
@@ -2744,7 +2745,7 @@
           <a:p>
             <a:fld id="{39209DE7-3910-403C-9FC5-1898A43DB0BB}" type="datetime1">
               <a:rPr kumimoji="1" lang="ja-JP" altLang="en-US" smtClean="0"/>
-              <a:t>2018/10/24</a:t>
+              <a:t>2018/11/22</a:t>
             </a:fld>
             <a:endParaRPr kumimoji="1" lang="ja-JP" altLang="en-US"/>
           </a:p>
@@ -3001,7 +3002,7 @@
           <a:p>
             <a:fld id="{E9BA2366-618F-47ED-AB0D-6F7F32E6173F}" type="datetime1">
               <a:rPr kumimoji="1" lang="ja-JP" altLang="en-US" smtClean="0"/>
-              <a:t>2018/10/24</a:t>
+              <a:t>2018/11/22</a:t>
             </a:fld>
             <a:endParaRPr kumimoji="1" lang="ja-JP" altLang="en-US"/>
           </a:p>
@@ -3246,7 +3247,7 @@
           <a:p>
             <a:fld id="{3F7482B8-C538-425F-B462-4B7AC8801E91}" type="datetime1">
               <a:rPr kumimoji="1" lang="ja-JP" altLang="en-US" smtClean="0"/>
-              <a:t>2018/10/24</a:t>
+              <a:t>2018/11/22</a:t>
             </a:fld>
             <a:endParaRPr kumimoji="1" lang="ja-JP" altLang="en-US"/>
           </a:p>
@@ -9055,6 +9056,1018 @@
     <p:extLst>
       <p:ext uri="{BB962C8B-B14F-4D97-AF65-F5344CB8AC3E}">
         <p14:creationId xmlns:p14="http://schemas.microsoft.com/office/powerpoint/2010/main" val="500670243"/>
+      </p:ext>
+    </p:extLst>
+  </p:cSld>
+  <p:clrMapOvr>
+    <a:masterClrMapping/>
+  </p:clrMapOvr>
+  <p:timing>
+    <p:tnLst>
+      <p:par>
+        <p:cTn id="1" dur="indefinite" restart="never" nodeType="tmRoot"/>
+      </p:par>
+    </p:tnLst>
+  </p:timing>
+</p:sld>
+</file>
+
+<file path=ppt/slides/slide9.xml><?xml version="1.0" encoding="utf-8"?>
+<p:sld xmlns:a="http://schemas.openxmlformats.org/drawingml/2006/main" xmlns:r="http://schemas.openxmlformats.org/officeDocument/2006/relationships" xmlns:p="http://schemas.openxmlformats.org/presentationml/2006/main">
+  <p:cSld>
+    <p:spTree>
+      <p:nvGrpSpPr>
+        <p:cNvPr id="1" name=""/>
+        <p:cNvGrpSpPr/>
+        <p:nvPr/>
+      </p:nvGrpSpPr>
+      <p:grpSpPr>
+        <a:xfrm>
+          <a:off x="0" y="0"/>
+          <a:ext cx="0" cy="0"/>
+          <a:chOff x="0" y="0"/>
+          <a:chExt cx="0" cy="0"/>
+        </a:xfrm>
+      </p:grpSpPr>
+      <p:pic>
+        <p:nvPicPr>
+          <p:cNvPr id="3" name="図 2"/>
+          <p:cNvPicPr>
+            <a:picLocks noChangeAspect="1"/>
+          </p:cNvPicPr>
+          <p:nvPr/>
+        </p:nvPicPr>
+        <p:blipFill>
+          <a:blip r:embed="rId2">
+            <a:extLst>
+              <a:ext uri="{28A0092B-C50C-407E-A947-70E740481C1C}">
+                <a14:useLocalDpi xmlns:a14="http://schemas.microsoft.com/office/drawing/2010/main" val="0"/>
+              </a:ext>
+            </a:extLst>
+          </a:blip>
+          <a:stretch>
+            <a:fillRect/>
+          </a:stretch>
+        </p:blipFill>
+        <p:spPr>
+          <a:xfrm>
+            <a:off x="0" y="3096322"/>
+            <a:ext cx="6858000" cy="3713356"/>
+          </a:xfrm>
+          <a:prstGeom prst="rect">
+            <a:avLst/>
+          </a:prstGeom>
+        </p:spPr>
+      </p:pic>
+      <p:sp>
+        <p:nvSpPr>
+          <p:cNvPr id="2" name="タイトル 1"/>
+          <p:cNvSpPr>
+            <a:spLocks noGrp="1"/>
+          </p:cNvSpPr>
+          <p:nvPr>
+            <p:ph type="title"/>
+          </p:nvPr>
+        </p:nvSpPr>
+        <p:spPr>
+          <a:xfrm>
+            <a:off x="7945" y="14796"/>
+            <a:ext cx="6867162" cy="610084"/>
+          </a:xfrm>
+        </p:spPr>
+        <p:txBody>
+          <a:bodyPr>
+            <a:normAutofit/>
+          </a:bodyPr>
+          <a:lstStyle/>
+          <a:p>
+            <a:r>
+              <a:rPr lang="en-US" altLang="ja-JP" dirty="0" err="1" smtClean="0"/>
+              <a:t>typ_s</a:t>
+            </a:r>
+            <a:r>
+              <a:rPr lang="en-US" altLang="ja-JP" dirty="0" smtClean="0"/>
+              <a:t>(x)  = </a:t>
+            </a:r>
+            <a:r>
+              <a:rPr lang="en-US" altLang="ja-JP" dirty="0" smtClean="0"/>
+              <a:t>'</a:t>
+            </a:r>
+            <a:r>
+              <a:rPr lang="en-US" altLang="ja-JP" dirty="0" smtClean="0">
+                <a:solidFill>
+                  <a:srgbClr val="FF0000"/>
+                </a:solidFill>
+                <a:effectLst>
+                  <a:outerShdw blurRad="38100" dist="38100" dir="2700000" algn="tl">
+                    <a:srgbClr val="000000">
+                      <a:alpha val="43137"/>
+                    </a:srgbClr>
+                  </a:outerShdw>
+                </a:effectLst>
+              </a:rPr>
+              <a:t>elliptic-ring</a:t>
+            </a:r>
+            <a:r>
+              <a:rPr lang="en-US" altLang="ja-JP" dirty="0" smtClean="0"/>
+              <a:t>'</a:t>
+            </a:r>
+            <a:endParaRPr kumimoji="1" lang="ja-JP" altLang="en-US" dirty="0"/>
+          </a:p>
+        </p:txBody>
+      </p:sp>
+      <p:cxnSp>
+        <p:nvCxnSpPr>
+          <p:cNvPr id="5" name="直線コネクタ 4"/>
+          <p:cNvCxnSpPr/>
+          <p:nvPr/>
+        </p:nvCxnSpPr>
+        <p:spPr>
+          <a:xfrm>
+            <a:off x="7945" y="620462"/>
+            <a:ext cx="6867162" cy="0"/>
+          </a:xfrm>
+          <a:prstGeom prst="line">
+            <a:avLst/>
+          </a:prstGeom>
+          <a:ln>
+            <a:solidFill>
+              <a:schemeClr val="tx1"/>
+            </a:solidFill>
+          </a:ln>
+        </p:spPr>
+        <p:style>
+          <a:lnRef idx="1">
+            <a:schemeClr val="accent1"/>
+          </a:lnRef>
+          <a:fillRef idx="0">
+            <a:schemeClr val="accent1"/>
+          </a:fillRef>
+          <a:effectRef idx="0">
+            <a:schemeClr val="accent1"/>
+          </a:effectRef>
+          <a:fontRef idx="minor">
+            <a:schemeClr val="tx1"/>
+          </a:fontRef>
+        </p:style>
+      </p:cxnSp>
+      <p:sp>
+        <p:nvSpPr>
+          <p:cNvPr id="6" name="テキスト ボックス 5"/>
+          <p:cNvSpPr txBox="1"/>
+          <p:nvPr/>
+        </p:nvSpPr>
+        <p:spPr>
+          <a:xfrm>
+            <a:off x="319311" y="638828"/>
+            <a:ext cx="6227323" cy="1938992"/>
+          </a:xfrm>
+          <a:prstGeom prst="rect">
+            <a:avLst/>
+          </a:prstGeom>
+          <a:noFill/>
+        </p:spPr>
+        <p:txBody>
+          <a:bodyPr wrap="square" rtlCol="0">
+            <a:spAutoFit/>
+          </a:bodyPr>
+          <a:lstStyle/>
+          <a:p>
+            <a:r>
+              <a:rPr kumimoji="1" lang="en-US" altLang="ja-JP" sz="2400" dirty="0" err="1"/>
+              <a:t>inf_s</a:t>
+            </a:r>
+            <a:r>
+              <a:rPr kumimoji="1" lang="en-US" altLang="ja-JP" sz="2400" dirty="0"/>
+              <a:t>(x, 1) : </a:t>
+            </a:r>
+            <a:r>
+              <a:rPr kumimoji="1" lang="en-US" altLang="ja-JP" sz="2400" dirty="0" smtClean="0"/>
+              <a:t>Outer diameter </a:t>
+            </a:r>
+            <a:r>
+              <a:rPr kumimoji="1" lang="en-US" altLang="ja-JP" sz="2400" dirty="0"/>
+              <a:t>along x-axis.</a:t>
+            </a:r>
+          </a:p>
+          <a:p>
+            <a:r>
+              <a:rPr kumimoji="1" lang="en-US" altLang="ja-JP" sz="2400" dirty="0" err="1"/>
+              <a:t>inf_s</a:t>
+            </a:r>
+            <a:r>
+              <a:rPr kumimoji="1" lang="en-US" altLang="ja-JP" sz="2400" dirty="0"/>
+              <a:t>(x, 2) : </a:t>
+            </a:r>
+            <a:r>
+              <a:rPr kumimoji="1" lang="en-US" altLang="ja-JP" sz="2400" dirty="0" smtClean="0"/>
+              <a:t>Outer diameter </a:t>
+            </a:r>
+            <a:r>
+              <a:rPr kumimoji="1" lang="en-US" altLang="ja-JP" sz="2400" dirty="0"/>
+              <a:t>along y-axis.</a:t>
+            </a:r>
+          </a:p>
+          <a:p>
+            <a:r>
+              <a:rPr kumimoji="1" lang="en-US" altLang="ja-JP" sz="2400" dirty="0" err="1"/>
+              <a:t>inf_s</a:t>
+            </a:r>
+            <a:r>
+              <a:rPr kumimoji="1" lang="en-US" altLang="ja-JP" sz="2400" dirty="0"/>
+              <a:t>(x, 3) : Side length</a:t>
+            </a:r>
+            <a:r>
+              <a:rPr kumimoji="1" lang="en-US" altLang="ja-JP" sz="2400" dirty="0" smtClean="0"/>
+              <a:t> </a:t>
+            </a:r>
+            <a:r>
+              <a:rPr kumimoji="1" lang="en-US" altLang="ja-JP" sz="2400" dirty="0"/>
+              <a:t>along z-axis</a:t>
+            </a:r>
+            <a:r>
+              <a:rPr kumimoji="1" lang="en-US" altLang="ja-JP" sz="2400" dirty="0" smtClean="0"/>
+              <a:t>.</a:t>
+            </a:r>
+          </a:p>
+          <a:p>
+            <a:r>
+              <a:rPr kumimoji="1" lang="en-US" altLang="ja-JP" sz="2400" dirty="0" err="1"/>
+              <a:t>inf_s</a:t>
+            </a:r>
+            <a:r>
+              <a:rPr kumimoji="1" lang="en-US" altLang="ja-JP" sz="2400" dirty="0"/>
+              <a:t>(x, </a:t>
+            </a:r>
+            <a:r>
+              <a:rPr kumimoji="1" lang="en-US" altLang="ja-JP" sz="2400" dirty="0" smtClean="0"/>
+              <a:t>4) </a:t>
+            </a:r>
+            <a:r>
+              <a:rPr kumimoji="1" lang="en-US" altLang="ja-JP" sz="2400" dirty="0"/>
+              <a:t>: </a:t>
+            </a:r>
+            <a:r>
+              <a:rPr kumimoji="1" lang="en-US" altLang="ja-JP" sz="2400" dirty="0" smtClean="0"/>
+              <a:t>Inner </a:t>
+            </a:r>
+            <a:r>
+              <a:rPr kumimoji="1" lang="en-US" altLang="ja-JP" sz="2400" dirty="0"/>
+              <a:t>diameter along x-axis.</a:t>
+            </a:r>
+          </a:p>
+          <a:p>
+            <a:r>
+              <a:rPr kumimoji="1" lang="en-US" altLang="ja-JP" sz="2400" dirty="0" err="1"/>
+              <a:t>inf_s</a:t>
+            </a:r>
+            <a:r>
+              <a:rPr kumimoji="1" lang="en-US" altLang="ja-JP" sz="2400" dirty="0"/>
+              <a:t>(x, </a:t>
+            </a:r>
+            <a:r>
+              <a:rPr kumimoji="1" lang="en-US" altLang="ja-JP" sz="2400" dirty="0" smtClean="0"/>
+              <a:t>5) </a:t>
+            </a:r>
+            <a:r>
+              <a:rPr kumimoji="1" lang="en-US" altLang="ja-JP" sz="2400" dirty="0"/>
+              <a:t>: Inner</a:t>
+            </a:r>
+            <a:r>
+              <a:rPr kumimoji="1" lang="en-US" altLang="ja-JP" sz="2400" dirty="0" smtClean="0"/>
+              <a:t> </a:t>
+            </a:r>
+            <a:r>
+              <a:rPr kumimoji="1" lang="en-US" altLang="ja-JP" sz="2400" dirty="0"/>
+              <a:t>diameter along y-axis</a:t>
+            </a:r>
+            <a:r>
+              <a:rPr kumimoji="1" lang="en-US" altLang="ja-JP" sz="2400" dirty="0" smtClean="0"/>
+              <a:t>.</a:t>
+            </a:r>
+            <a:endParaRPr kumimoji="1" lang="ja-JP" altLang="en-US" sz="2400" dirty="0"/>
+          </a:p>
+        </p:txBody>
+      </p:sp>
+      <p:sp>
+        <p:nvSpPr>
+          <p:cNvPr id="8" name="スライド番号プレースホルダー 7"/>
+          <p:cNvSpPr>
+            <a:spLocks noGrp="1"/>
+          </p:cNvSpPr>
+          <p:nvPr>
+            <p:ph type="sldNum" sz="quarter" idx="12"/>
+          </p:nvPr>
+        </p:nvSpPr>
+        <p:spPr>
+          <a:xfrm>
+            <a:off x="5319451" y="9381813"/>
+            <a:ext cx="1543050" cy="527403"/>
+          </a:xfrm>
+        </p:spPr>
+        <p:txBody>
+          <a:bodyPr/>
+          <a:lstStyle/>
+          <a:p>
+            <a:fld id="{9A868371-1727-4CDA-B0BD-6094E27E5BDF}" type="slidenum">
+              <a:rPr kumimoji="1" lang="ja-JP" altLang="en-US" sz="3200" smtClean="0">
+                <a:solidFill>
+                  <a:schemeClr val="tx1"/>
+                </a:solidFill>
+              </a:rPr>
+              <a:t>9</a:t>
+            </a:fld>
+            <a:endParaRPr kumimoji="1" lang="ja-JP" altLang="en-US" sz="3200">
+              <a:solidFill>
+                <a:schemeClr val="tx1"/>
+              </a:solidFill>
+            </a:endParaRPr>
+          </a:p>
+        </p:txBody>
+      </p:sp>
+      <p:sp>
+        <p:nvSpPr>
+          <p:cNvPr id="9" name="テキスト ボックス 8"/>
+          <p:cNvSpPr txBox="1"/>
+          <p:nvPr/>
+        </p:nvSpPr>
+        <p:spPr>
+          <a:xfrm>
+            <a:off x="327864" y="6914392"/>
+            <a:ext cx="6227323" cy="461665"/>
+          </a:xfrm>
+          <a:prstGeom prst="rect">
+            <a:avLst/>
+          </a:prstGeom>
+          <a:noFill/>
+        </p:spPr>
+        <p:txBody>
+          <a:bodyPr wrap="square" rtlCol="0">
+            <a:spAutoFit/>
+          </a:bodyPr>
+          <a:lstStyle/>
+          <a:p>
+            <a:pPr algn="just"/>
+            <a:r>
+              <a:rPr kumimoji="1" lang="en-US" altLang="ja-JP" sz="2400" dirty="0" smtClean="0"/>
+              <a:t>The origin is located on the center of the shape.</a:t>
+            </a:r>
+            <a:endParaRPr kumimoji="1" lang="ja-JP" altLang="en-US" sz="2400" dirty="0"/>
+          </a:p>
+        </p:txBody>
+      </p:sp>
+      <p:cxnSp>
+        <p:nvCxnSpPr>
+          <p:cNvPr id="10" name="直線矢印コネクタ 9"/>
+          <p:cNvCxnSpPr>
+            <a:cxnSpLocks noChangeAspect="1"/>
+          </p:cNvCxnSpPr>
+          <p:nvPr/>
+        </p:nvCxnSpPr>
+        <p:spPr>
+          <a:xfrm rot="19380000" flipV="1">
+            <a:off x="2443694" y="4200558"/>
+            <a:ext cx="1763305" cy="717918"/>
+          </a:xfrm>
+          <a:prstGeom prst="straightConnector1">
+            <a:avLst/>
+          </a:prstGeom>
+          <a:ln w="38100">
+            <a:solidFill>
+              <a:srgbClr val="00B050"/>
+            </a:solidFill>
+            <a:headEnd type="arrow" w="lg" len="lg"/>
+            <a:tailEnd type="arrow" w="lg" len="lg"/>
+          </a:ln>
+          <a:effectLst>
+            <a:outerShdw blurRad="50800" dist="38100" dir="2700000" algn="tl" rotWithShape="0">
+              <a:prstClr val="black">
+                <a:alpha val="40000"/>
+              </a:prstClr>
+            </a:outerShdw>
+          </a:effectLst>
+        </p:spPr>
+        <p:style>
+          <a:lnRef idx="1">
+            <a:schemeClr val="accent1"/>
+          </a:lnRef>
+          <a:fillRef idx="0">
+            <a:schemeClr val="accent1"/>
+          </a:fillRef>
+          <a:effectRef idx="0">
+            <a:schemeClr val="accent1"/>
+          </a:effectRef>
+          <a:fontRef idx="minor">
+            <a:schemeClr val="tx1"/>
+          </a:fontRef>
+        </p:style>
+      </p:cxnSp>
+      <p:cxnSp>
+        <p:nvCxnSpPr>
+          <p:cNvPr id="15" name="直線矢印コネクタ 14"/>
+          <p:cNvCxnSpPr>
+            <a:cxnSpLocks noChangeAspect="1"/>
+          </p:cNvCxnSpPr>
+          <p:nvPr/>
+        </p:nvCxnSpPr>
+        <p:spPr>
+          <a:xfrm rot="20820000">
+            <a:off x="1842664" y="4292142"/>
+            <a:ext cx="2953170" cy="595213"/>
+          </a:xfrm>
+          <a:prstGeom prst="straightConnector1">
+            <a:avLst/>
+          </a:prstGeom>
+          <a:ln w="38100">
+            <a:solidFill>
+              <a:srgbClr val="00B050"/>
+            </a:solidFill>
+            <a:headEnd type="arrow" w="lg" len="lg"/>
+            <a:tailEnd type="arrow" w="lg" len="lg"/>
+          </a:ln>
+          <a:effectLst>
+            <a:outerShdw blurRad="50800" dist="38100" dir="2700000" algn="tl" rotWithShape="0">
+              <a:prstClr val="black">
+                <a:alpha val="40000"/>
+              </a:prstClr>
+            </a:outerShdw>
+          </a:effectLst>
+        </p:spPr>
+        <p:style>
+          <a:lnRef idx="1">
+            <a:schemeClr val="accent1"/>
+          </a:lnRef>
+          <a:fillRef idx="0">
+            <a:schemeClr val="accent1"/>
+          </a:fillRef>
+          <a:effectRef idx="0">
+            <a:schemeClr val="accent1"/>
+          </a:effectRef>
+          <a:fontRef idx="minor">
+            <a:schemeClr val="tx1"/>
+          </a:fontRef>
+        </p:style>
+      </p:cxnSp>
+      <p:cxnSp>
+        <p:nvCxnSpPr>
+          <p:cNvPr id="18" name="直線矢印コネクタ 17"/>
+          <p:cNvCxnSpPr/>
+          <p:nvPr/>
+        </p:nvCxnSpPr>
+        <p:spPr>
+          <a:xfrm flipH="1" flipV="1">
+            <a:off x="4834128" y="4526662"/>
+            <a:ext cx="249936" cy="758570"/>
+          </a:xfrm>
+          <a:prstGeom prst="straightConnector1">
+            <a:avLst/>
+          </a:prstGeom>
+          <a:ln w="38100">
+            <a:solidFill>
+              <a:srgbClr val="00B050"/>
+            </a:solidFill>
+            <a:headEnd type="arrow" w="lg" len="lg"/>
+            <a:tailEnd type="arrow" w="lg" len="lg"/>
+          </a:ln>
+          <a:effectLst>
+            <a:outerShdw blurRad="50800" dist="38100" dir="2700000" algn="tl" rotWithShape="0">
+              <a:prstClr val="black">
+                <a:alpha val="40000"/>
+              </a:prstClr>
+            </a:outerShdw>
+          </a:effectLst>
+        </p:spPr>
+        <p:style>
+          <a:lnRef idx="1">
+            <a:schemeClr val="accent1"/>
+          </a:lnRef>
+          <a:fillRef idx="0">
+            <a:schemeClr val="accent1"/>
+          </a:fillRef>
+          <a:effectRef idx="0">
+            <a:schemeClr val="accent1"/>
+          </a:effectRef>
+          <a:fontRef idx="minor">
+            <a:schemeClr val="tx1"/>
+          </a:fontRef>
+        </p:style>
+      </p:cxnSp>
+      <p:sp>
+        <p:nvSpPr>
+          <p:cNvPr id="23" name="正方形/長方形 22"/>
+          <p:cNvSpPr/>
+          <p:nvPr/>
+        </p:nvSpPr>
+        <p:spPr>
+          <a:xfrm>
+            <a:off x="4931017" y="4486996"/>
+            <a:ext cx="1610826" cy="523220"/>
+          </a:xfrm>
+          <a:prstGeom prst="rect">
+            <a:avLst/>
+          </a:prstGeom>
+        </p:spPr>
+        <p:txBody>
+          <a:bodyPr wrap="none">
+            <a:spAutoFit/>
+          </a:bodyPr>
+          <a:lstStyle/>
+          <a:p>
+            <a:r>
+              <a:rPr kumimoji="1" lang="en-US" altLang="ja-JP" sz="2800" dirty="0" err="1">
+                <a:solidFill>
+                  <a:srgbClr val="00B050"/>
+                </a:solidFill>
+                <a:effectLst>
+                  <a:outerShdw blurRad="38100" dist="38100" dir="2700000" algn="tl">
+                    <a:srgbClr val="000000">
+                      <a:alpha val="43137"/>
+                    </a:srgbClr>
+                  </a:outerShdw>
+                </a:effectLst>
+              </a:rPr>
+              <a:t>inf_s</a:t>
+            </a:r>
+            <a:r>
+              <a:rPr kumimoji="1" lang="en-US" altLang="ja-JP" sz="2800" dirty="0">
+                <a:solidFill>
+                  <a:srgbClr val="00B050"/>
+                </a:solidFill>
+                <a:effectLst>
+                  <a:outerShdw blurRad="38100" dist="38100" dir="2700000" algn="tl">
+                    <a:srgbClr val="000000">
+                      <a:alpha val="43137"/>
+                    </a:srgbClr>
+                  </a:outerShdw>
+                </a:effectLst>
+              </a:rPr>
+              <a:t>(x, </a:t>
+            </a:r>
+            <a:r>
+              <a:rPr kumimoji="1" lang="en-US" altLang="ja-JP" sz="2800" dirty="0" smtClean="0">
+                <a:solidFill>
+                  <a:srgbClr val="00B050"/>
+                </a:solidFill>
+                <a:effectLst>
+                  <a:outerShdw blurRad="38100" dist="38100" dir="2700000" algn="tl">
+                    <a:srgbClr val="000000">
+                      <a:alpha val="43137"/>
+                    </a:srgbClr>
+                  </a:outerShdw>
+                </a:effectLst>
+              </a:rPr>
+              <a:t>3)</a:t>
+            </a:r>
+            <a:endParaRPr lang="ja-JP" altLang="en-US" sz="2800" dirty="0">
+              <a:solidFill>
+                <a:srgbClr val="00B050"/>
+              </a:solidFill>
+              <a:effectLst>
+                <a:outerShdw blurRad="38100" dist="38100" dir="2700000" algn="tl">
+                  <a:srgbClr val="000000">
+                    <a:alpha val="43137"/>
+                  </a:srgbClr>
+                </a:outerShdw>
+              </a:effectLst>
+            </a:endParaRPr>
+          </a:p>
+        </p:txBody>
+      </p:sp>
+      <p:sp>
+        <p:nvSpPr>
+          <p:cNvPr id="24" name="正方形/長方形 23"/>
+          <p:cNvSpPr/>
+          <p:nvPr/>
+        </p:nvSpPr>
+        <p:spPr>
+          <a:xfrm>
+            <a:off x="2118976" y="5390852"/>
+            <a:ext cx="1610826" cy="523220"/>
+          </a:xfrm>
+          <a:prstGeom prst="rect">
+            <a:avLst/>
+          </a:prstGeom>
+        </p:spPr>
+        <p:txBody>
+          <a:bodyPr wrap="none">
+            <a:spAutoFit/>
+          </a:bodyPr>
+          <a:lstStyle/>
+          <a:p>
+            <a:r>
+              <a:rPr kumimoji="1" lang="en-US" altLang="ja-JP" sz="2800" dirty="0" err="1">
+                <a:solidFill>
+                  <a:srgbClr val="00B050"/>
+                </a:solidFill>
+                <a:effectLst>
+                  <a:outerShdw blurRad="38100" dist="38100" dir="2700000" algn="tl">
+                    <a:srgbClr val="000000">
+                      <a:alpha val="43137"/>
+                    </a:srgbClr>
+                  </a:outerShdw>
+                </a:effectLst>
+              </a:rPr>
+              <a:t>inf_s</a:t>
+            </a:r>
+            <a:r>
+              <a:rPr kumimoji="1" lang="en-US" altLang="ja-JP" sz="2800" dirty="0">
+                <a:solidFill>
+                  <a:srgbClr val="00B050"/>
+                </a:solidFill>
+                <a:effectLst>
+                  <a:outerShdw blurRad="38100" dist="38100" dir="2700000" algn="tl">
+                    <a:srgbClr val="000000">
+                      <a:alpha val="43137"/>
+                    </a:srgbClr>
+                  </a:outerShdw>
+                </a:effectLst>
+              </a:rPr>
+              <a:t>(x, </a:t>
+            </a:r>
+            <a:r>
+              <a:rPr kumimoji="1" lang="en-US" altLang="ja-JP" sz="2800" dirty="0" smtClean="0">
+                <a:solidFill>
+                  <a:srgbClr val="00B050"/>
+                </a:solidFill>
+                <a:effectLst>
+                  <a:outerShdw blurRad="38100" dist="38100" dir="2700000" algn="tl">
+                    <a:srgbClr val="000000">
+                      <a:alpha val="43137"/>
+                    </a:srgbClr>
+                  </a:outerShdw>
+                </a:effectLst>
+              </a:rPr>
+              <a:t>1)</a:t>
+            </a:r>
+            <a:endParaRPr lang="ja-JP" altLang="en-US" sz="2800" dirty="0">
+              <a:solidFill>
+                <a:srgbClr val="00B050"/>
+              </a:solidFill>
+              <a:effectLst>
+                <a:outerShdw blurRad="38100" dist="38100" dir="2700000" algn="tl">
+                  <a:srgbClr val="000000">
+                    <a:alpha val="43137"/>
+                  </a:srgbClr>
+                </a:outerShdw>
+              </a:effectLst>
+            </a:endParaRPr>
+          </a:p>
+        </p:txBody>
+      </p:sp>
+      <p:sp>
+        <p:nvSpPr>
+          <p:cNvPr id="25" name="正方形/長方形 24"/>
+          <p:cNvSpPr/>
+          <p:nvPr/>
+        </p:nvSpPr>
+        <p:spPr>
+          <a:xfrm>
+            <a:off x="484313" y="4687284"/>
+            <a:ext cx="1610826" cy="523220"/>
+          </a:xfrm>
+          <a:prstGeom prst="rect">
+            <a:avLst/>
+          </a:prstGeom>
+        </p:spPr>
+        <p:txBody>
+          <a:bodyPr wrap="none">
+            <a:spAutoFit/>
+          </a:bodyPr>
+          <a:lstStyle/>
+          <a:p>
+            <a:r>
+              <a:rPr kumimoji="1" lang="en-US" altLang="ja-JP" sz="2800" dirty="0" err="1">
+                <a:solidFill>
+                  <a:srgbClr val="00B050"/>
+                </a:solidFill>
+                <a:effectLst>
+                  <a:outerShdw blurRad="38100" dist="38100" dir="2700000" algn="tl">
+                    <a:srgbClr val="000000">
+                      <a:alpha val="43137"/>
+                    </a:srgbClr>
+                  </a:outerShdw>
+                </a:effectLst>
+              </a:rPr>
+              <a:t>inf_s</a:t>
+            </a:r>
+            <a:r>
+              <a:rPr kumimoji="1" lang="en-US" altLang="ja-JP" sz="2800" dirty="0">
+                <a:solidFill>
+                  <a:srgbClr val="00B050"/>
+                </a:solidFill>
+                <a:effectLst>
+                  <a:outerShdw blurRad="38100" dist="38100" dir="2700000" algn="tl">
+                    <a:srgbClr val="000000">
+                      <a:alpha val="43137"/>
+                    </a:srgbClr>
+                  </a:outerShdw>
+                </a:effectLst>
+              </a:rPr>
+              <a:t>(x, </a:t>
+            </a:r>
+            <a:r>
+              <a:rPr kumimoji="1" lang="en-US" altLang="ja-JP" sz="2800" dirty="0" smtClean="0">
+                <a:solidFill>
+                  <a:srgbClr val="00B050"/>
+                </a:solidFill>
+                <a:effectLst>
+                  <a:outerShdw blurRad="38100" dist="38100" dir="2700000" algn="tl">
+                    <a:srgbClr val="000000">
+                      <a:alpha val="43137"/>
+                    </a:srgbClr>
+                  </a:outerShdw>
+                </a:effectLst>
+              </a:rPr>
+              <a:t>2)</a:t>
+            </a:r>
+            <a:endParaRPr lang="ja-JP" altLang="en-US" sz="2800" dirty="0">
+              <a:solidFill>
+                <a:srgbClr val="00B050"/>
+              </a:solidFill>
+              <a:effectLst>
+                <a:outerShdw blurRad="38100" dist="38100" dir="2700000" algn="tl">
+                  <a:srgbClr val="000000">
+                    <a:alpha val="43137"/>
+                  </a:srgbClr>
+                </a:outerShdw>
+              </a:effectLst>
+            </a:endParaRPr>
+          </a:p>
+        </p:txBody>
+      </p:sp>
+      <p:cxnSp>
+        <p:nvCxnSpPr>
+          <p:cNvPr id="19" name="直線矢印コネクタ 18"/>
+          <p:cNvCxnSpPr>
+            <a:cxnSpLocks noChangeAspect="1"/>
+          </p:cNvCxnSpPr>
+          <p:nvPr/>
+        </p:nvCxnSpPr>
+        <p:spPr>
+          <a:xfrm rot="19380000" flipV="1">
+            <a:off x="2656852" y="4302018"/>
+            <a:ext cx="1324797" cy="539383"/>
+          </a:xfrm>
+          <a:prstGeom prst="straightConnector1">
+            <a:avLst/>
+          </a:prstGeom>
+          <a:ln w="38100">
+            <a:solidFill>
+              <a:srgbClr val="FFFF00"/>
+            </a:solidFill>
+            <a:headEnd type="arrow" w="lg" len="lg"/>
+            <a:tailEnd type="arrow" w="lg" len="lg"/>
+          </a:ln>
+          <a:effectLst>
+            <a:outerShdw blurRad="50800" dist="38100" dir="2700000" algn="tl" rotWithShape="0">
+              <a:prstClr val="black">
+                <a:alpha val="40000"/>
+              </a:prstClr>
+            </a:outerShdw>
+          </a:effectLst>
+        </p:spPr>
+        <p:style>
+          <a:lnRef idx="1">
+            <a:schemeClr val="accent1"/>
+          </a:lnRef>
+          <a:fillRef idx="0">
+            <a:schemeClr val="accent1"/>
+          </a:fillRef>
+          <a:effectRef idx="0">
+            <a:schemeClr val="accent1"/>
+          </a:effectRef>
+          <a:fontRef idx="minor">
+            <a:schemeClr val="tx1"/>
+          </a:fontRef>
+        </p:style>
+      </p:cxnSp>
+      <p:sp>
+        <p:nvSpPr>
+          <p:cNvPr id="20" name="正方形/長方形 19"/>
+          <p:cNvSpPr/>
+          <p:nvPr/>
+        </p:nvSpPr>
+        <p:spPr>
+          <a:xfrm>
+            <a:off x="3130912" y="4958036"/>
+            <a:ext cx="1610826" cy="523220"/>
+          </a:xfrm>
+          <a:prstGeom prst="rect">
+            <a:avLst/>
+          </a:prstGeom>
+        </p:spPr>
+        <p:txBody>
+          <a:bodyPr wrap="none">
+            <a:spAutoFit/>
+          </a:bodyPr>
+          <a:lstStyle/>
+          <a:p>
+            <a:r>
+              <a:rPr kumimoji="1" lang="en-US" altLang="ja-JP" sz="2800" dirty="0" err="1">
+                <a:solidFill>
+                  <a:srgbClr val="FFFF00"/>
+                </a:solidFill>
+                <a:effectLst>
+                  <a:outerShdw blurRad="38100" dist="38100" dir="2700000" algn="tl">
+                    <a:srgbClr val="000000">
+                      <a:alpha val="43137"/>
+                    </a:srgbClr>
+                  </a:outerShdw>
+                </a:effectLst>
+              </a:rPr>
+              <a:t>inf_s</a:t>
+            </a:r>
+            <a:r>
+              <a:rPr kumimoji="1" lang="en-US" altLang="ja-JP" sz="2800" dirty="0">
+                <a:solidFill>
+                  <a:srgbClr val="FFFF00"/>
+                </a:solidFill>
+                <a:effectLst>
+                  <a:outerShdw blurRad="38100" dist="38100" dir="2700000" algn="tl">
+                    <a:srgbClr val="000000">
+                      <a:alpha val="43137"/>
+                    </a:srgbClr>
+                  </a:outerShdw>
+                </a:effectLst>
+              </a:rPr>
+              <a:t>(x, </a:t>
+            </a:r>
+            <a:r>
+              <a:rPr kumimoji="1" lang="en-US" altLang="ja-JP" sz="2800" dirty="0">
+                <a:solidFill>
+                  <a:srgbClr val="FFFF00"/>
+                </a:solidFill>
+                <a:effectLst>
+                  <a:outerShdw blurRad="38100" dist="38100" dir="2700000" algn="tl">
+                    <a:srgbClr val="000000">
+                      <a:alpha val="43137"/>
+                    </a:srgbClr>
+                  </a:outerShdw>
+                </a:effectLst>
+              </a:rPr>
+              <a:t>4</a:t>
+            </a:r>
+            <a:r>
+              <a:rPr kumimoji="1" lang="en-US" altLang="ja-JP" sz="2800" dirty="0" smtClean="0">
+                <a:solidFill>
+                  <a:srgbClr val="FFFF00"/>
+                </a:solidFill>
+                <a:effectLst>
+                  <a:outerShdw blurRad="38100" dist="38100" dir="2700000" algn="tl">
+                    <a:srgbClr val="000000">
+                      <a:alpha val="43137"/>
+                    </a:srgbClr>
+                  </a:outerShdw>
+                </a:effectLst>
+              </a:rPr>
+              <a:t>)</a:t>
+            </a:r>
+            <a:endParaRPr lang="ja-JP" altLang="en-US" sz="2800" dirty="0">
+              <a:solidFill>
+                <a:srgbClr val="FFFF00"/>
+              </a:solidFill>
+              <a:effectLst>
+                <a:outerShdw blurRad="38100" dist="38100" dir="2700000" algn="tl">
+                  <a:srgbClr val="000000">
+                    <a:alpha val="43137"/>
+                  </a:srgbClr>
+                </a:outerShdw>
+              </a:effectLst>
+            </a:endParaRPr>
+          </a:p>
+        </p:txBody>
+      </p:sp>
+      <p:cxnSp>
+        <p:nvCxnSpPr>
+          <p:cNvPr id="21" name="直線矢印コネクタ 20"/>
+          <p:cNvCxnSpPr>
+            <a:cxnSpLocks noChangeAspect="1"/>
+          </p:cNvCxnSpPr>
+          <p:nvPr/>
+        </p:nvCxnSpPr>
+        <p:spPr>
+          <a:xfrm rot="20820000">
+            <a:off x="2210967" y="4363916"/>
+            <a:ext cx="2240949" cy="451665"/>
+          </a:xfrm>
+          <a:prstGeom prst="straightConnector1">
+            <a:avLst/>
+          </a:prstGeom>
+          <a:ln w="38100">
+            <a:solidFill>
+              <a:srgbClr val="FFFF00"/>
+            </a:solidFill>
+            <a:headEnd type="arrow" w="lg" len="lg"/>
+            <a:tailEnd type="arrow" w="lg" len="lg"/>
+          </a:ln>
+          <a:effectLst>
+            <a:outerShdw blurRad="50800" dist="38100" dir="2700000" algn="tl" rotWithShape="0">
+              <a:prstClr val="black">
+                <a:alpha val="40000"/>
+              </a:prstClr>
+            </a:outerShdw>
+          </a:effectLst>
+        </p:spPr>
+        <p:style>
+          <a:lnRef idx="1">
+            <a:schemeClr val="accent1"/>
+          </a:lnRef>
+          <a:fillRef idx="0">
+            <a:schemeClr val="accent1"/>
+          </a:fillRef>
+          <a:effectRef idx="0">
+            <a:schemeClr val="accent1"/>
+          </a:effectRef>
+          <a:fontRef idx="minor">
+            <a:schemeClr val="tx1"/>
+          </a:fontRef>
+        </p:style>
+      </p:cxnSp>
+      <p:sp>
+        <p:nvSpPr>
+          <p:cNvPr id="22" name="正方形/長方形 21"/>
+          <p:cNvSpPr/>
+          <p:nvPr/>
+        </p:nvSpPr>
+        <p:spPr>
+          <a:xfrm>
+            <a:off x="1374329" y="3974052"/>
+            <a:ext cx="1610826" cy="523220"/>
+          </a:xfrm>
+          <a:prstGeom prst="rect">
+            <a:avLst/>
+          </a:prstGeom>
+        </p:spPr>
+        <p:txBody>
+          <a:bodyPr wrap="none">
+            <a:spAutoFit/>
+          </a:bodyPr>
+          <a:lstStyle/>
+          <a:p>
+            <a:r>
+              <a:rPr kumimoji="1" lang="en-US" altLang="ja-JP" sz="2800" dirty="0" err="1">
+                <a:solidFill>
+                  <a:srgbClr val="FFFF00"/>
+                </a:solidFill>
+                <a:effectLst>
+                  <a:outerShdw blurRad="38100" dist="38100" dir="2700000" algn="tl">
+                    <a:srgbClr val="000000">
+                      <a:alpha val="43137"/>
+                    </a:srgbClr>
+                  </a:outerShdw>
+                </a:effectLst>
+              </a:rPr>
+              <a:t>inf_s</a:t>
+            </a:r>
+            <a:r>
+              <a:rPr kumimoji="1" lang="en-US" altLang="ja-JP" sz="2800" dirty="0">
+                <a:solidFill>
+                  <a:srgbClr val="FFFF00"/>
+                </a:solidFill>
+                <a:effectLst>
+                  <a:outerShdw blurRad="38100" dist="38100" dir="2700000" algn="tl">
+                    <a:srgbClr val="000000">
+                      <a:alpha val="43137"/>
+                    </a:srgbClr>
+                  </a:outerShdw>
+                </a:effectLst>
+              </a:rPr>
+              <a:t>(x, </a:t>
+            </a:r>
+            <a:r>
+              <a:rPr kumimoji="1" lang="en-US" altLang="ja-JP" sz="2800" dirty="0" smtClean="0">
+                <a:solidFill>
+                  <a:srgbClr val="FFFF00"/>
+                </a:solidFill>
+                <a:effectLst>
+                  <a:outerShdw blurRad="38100" dist="38100" dir="2700000" algn="tl">
+                    <a:srgbClr val="000000">
+                      <a:alpha val="43137"/>
+                    </a:srgbClr>
+                  </a:outerShdw>
+                </a:effectLst>
+              </a:rPr>
+              <a:t>5)</a:t>
+            </a:r>
+            <a:endParaRPr lang="ja-JP" altLang="en-US" sz="2800" dirty="0">
+              <a:solidFill>
+                <a:srgbClr val="FFFF00"/>
+              </a:solidFill>
+              <a:effectLst>
+                <a:outerShdw blurRad="38100" dist="38100" dir="2700000" algn="tl">
+                  <a:srgbClr val="000000">
+                    <a:alpha val="43137"/>
+                  </a:srgbClr>
+                </a:outerShdw>
+              </a:effectLst>
+            </a:endParaRPr>
+          </a:p>
+        </p:txBody>
+      </p:sp>
+    </p:spTree>
+    <p:extLst>
+      <p:ext uri="{BB962C8B-B14F-4D97-AF65-F5344CB8AC3E}">
+        <p14:creationId xmlns:p14="http://schemas.microsoft.com/office/powerpoint/2010/main" val="226883016"/>
       </p:ext>
     </p:extLst>
   </p:cSld>
